--- a/Отдельная папка/К18. Презентация.pptx
+++ b/Отдельная папка/К18. Презентация.pptx
@@ -191,7 +191,7 @@
           <a:p>
             <a:fld id="{BC2AD36E-CD11-4CF6-8B46-B5198877465C}" type="datetimeFigureOut">
               <a:rPr lang="ru-RU" smtClean="0"/>
-              <a:t>20.05.2020</a:t>
+              <a:t>21.05.2020</a:t>
             </a:fld>
             <a:endParaRPr lang="ru-RU"/>
           </a:p>
@@ -507,7 +507,7 @@
           <a:p>
             <a:fld id="{BC2AD36E-CD11-4CF6-8B46-B5198877465C}" type="datetimeFigureOut">
               <a:rPr lang="ru-RU" smtClean="0"/>
-              <a:t>20.05.2020</a:t>
+              <a:t>21.05.2020</a:t>
             </a:fld>
             <a:endParaRPr lang="ru-RU"/>
           </a:p>
@@ -682,7 +682,7 @@
           <a:p>
             <a:fld id="{BC2AD36E-CD11-4CF6-8B46-B5198877465C}" type="datetimeFigureOut">
               <a:rPr lang="ru-RU" smtClean="0"/>
-              <a:t>20.05.2020</a:t>
+              <a:t>21.05.2020</a:t>
             </a:fld>
             <a:endParaRPr lang="ru-RU"/>
           </a:p>
@@ -800,7 +800,7 @@
           <a:p>
             <a:fld id="{BC2AD36E-CD11-4CF6-8B46-B5198877465C}" type="datetimeFigureOut">
               <a:rPr lang="ru-RU" smtClean="0"/>
-              <a:t>20.05.2020</a:t>
+              <a:t>21.05.2020</a:t>
             </a:fld>
             <a:endParaRPr lang="ru-RU"/>
           </a:p>
@@ -1098,7 +1098,7 @@
           <a:p>
             <a:fld id="{BC2AD36E-CD11-4CF6-8B46-B5198877465C}" type="datetimeFigureOut">
               <a:rPr lang="ru-RU" smtClean="0"/>
-              <a:t>20.05.2020</a:t>
+              <a:t>21.05.2020</a:t>
             </a:fld>
             <a:endParaRPr lang="ru-RU"/>
           </a:p>
@@ -1391,7 +1391,7 @@
           <a:p>
             <a:fld id="{BC2AD36E-CD11-4CF6-8B46-B5198877465C}" type="datetimeFigureOut">
               <a:rPr lang="ru-RU" smtClean="0"/>
-              <a:t>20.05.2020</a:t>
+              <a:t>21.05.2020</a:t>
             </a:fld>
             <a:endParaRPr lang="ru-RU"/>
           </a:p>
@@ -1819,7 +1819,7 @@
           <a:p>
             <a:fld id="{BC2AD36E-CD11-4CF6-8B46-B5198877465C}" type="datetimeFigureOut">
               <a:rPr lang="ru-RU" smtClean="0"/>
-              <a:t>20.05.2020</a:t>
+              <a:t>21.05.2020</a:t>
             </a:fld>
             <a:endParaRPr lang="ru-RU"/>
           </a:p>
@@ -1937,7 +1937,7 @@
           <a:p>
             <a:fld id="{BC2AD36E-CD11-4CF6-8B46-B5198877465C}" type="datetimeFigureOut">
               <a:rPr lang="ru-RU" smtClean="0"/>
-              <a:t>20.05.2020</a:t>
+              <a:t>21.05.2020</a:t>
             </a:fld>
             <a:endParaRPr lang="ru-RU"/>
           </a:p>
@@ -2027,7 +2027,7 @@
           <a:p>
             <a:fld id="{BC2AD36E-CD11-4CF6-8B46-B5198877465C}" type="datetimeFigureOut">
               <a:rPr lang="ru-RU" smtClean="0"/>
-              <a:t>20.05.2020</a:t>
+              <a:t>21.05.2020</a:t>
             </a:fld>
             <a:endParaRPr lang="ru-RU"/>
           </a:p>
@@ -2277,7 +2277,7 @@
           <a:p>
             <a:fld id="{BC2AD36E-CD11-4CF6-8B46-B5198877465C}" type="datetimeFigureOut">
               <a:rPr lang="ru-RU" smtClean="0"/>
-              <a:t>20.05.2020</a:t>
+              <a:t>21.05.2020</a:t>
             </a:fld>
             <a:endParaRPr lang="ru-RU"/>
           </a:p>
@@ -2793,7 +2793,7 @@
           <a:p>
             <a:fld id="{BC2AD36E-CD11-4CF6-8B46-B5198877465C}" type="datetimeFigureOut">
               <a:rPr lang="ru-RU" smtClean="0"/>
-              <a:t>20.05.2020</a:t>
+              <a:t>21.05.2020</a:t>
             </a:fld>
             <a:endParaRPr lang="ru-RU"/>
           </a:p>
@@ -3023,7 +3023,7 @@
           <a:p>
             <a:fld id="{BC2AD36E-CD11-4CF6-8B46-B5198877465C}" type="datetimeFigureOut">
               <a:rPr lang="ru-RU" smtClean="0"/>
-              <a:t>20.05.2020</a:t>
+              <a:t>21.05.2020</a:t>
             </a:fld>
             <a:endParaRPr lang="ru-RU"/>
           </a:p>
@@ -3614,21 +3614,7 @@
                 <a:latin typeface="Times New Roman" panose="02020603050405020304" pitchFamily="18" charset="0"/>
                 <a:cs typeface="Times New Roman" panose="02020603050405020304" pitchFamily="18" charset="0"/>
               </a:rPr>
-              <a:t>Разработка </a:t>
-            </a:r>
-            <a:r>
-              <a:rPr lang="ru-RU" sz="4400" dirty="0" smtClean="0">
-                <a:latin typeface="Times New Roman" panose="02020603050405020304" pitchFamily="18" charset="0"/>
-                <a:cs typeface="Times New Roman" panose="02020603050405020304" pitchFamily="18" charset="0"/>
-              </a:rPr>
-              <a:t>программы </a:t>
-            </a:r>
-            <a:r>
-              <a:rPr lang="ru-RU" sz="4400" dirty="0" smtClean="0">
-                <a:latin typeface="Times New Roman" panose="02020603050405020304" pitchFamily="18" charset="0"/>
-                <a:cs typeface="Times New Roman" panose="02020603050405020304" pitchFamily="18" charset="0"/>
-              </a:rPr>
-              <a:t>«ФИТНЕС-КЛУБ»</a:t>
+              <a:t>Разработка программы «ФИТНЕС-КЛУБ»</a:t>
             </a:r>
             <a:endParaRPr lang="ru-RU" sz="4400" dirty="0">
               <a:latin typeface="Times New Roman" panose="02020603050405020304" pitchFamily="18" charset="0"/>
@@ -3699,13 +3685,13 @@
   <p:clrMapOvr>
     <a:masterClrMapping/>
   </p:clrMapOvr>
-  <mc:AlternateContent xmlns:mc="http://schemas.openxmlformats.org/markup-compatibility/2006">
-    <mc:Choice xmlns:p14="http://schemas.microsoft.com/office/powerpoint/2010/main" Requires="p14">
+  <mc:AlternateContent xmlns:mc="http://schemas.openxmlformats.org/markup-compatibility/2006" xmlns:p14="http://schemas.microsoft.com/office/powerpoint/2010/main">
+    <mc:Choice Requires="p14">
       <p:transition spd="med" p14:dur="700">
         <p:fade/>
       </p:transition>
     </mc:Choice>
-    <mc:Fallback>
+    <mc:Fallback xmlns="">
       <p:transition spd="med">
         <p:fade/>
       </p:transition>
@@ -3793,13 +3779,13 @@
   <p:clrMapOvr>
     <a:masterClrMapping/>
   </p:clrMapOvr>
-  <mc:AlternateContent xmlns:mc="http://schemas.openxmlformats.org/markup-compatibility/2006">
-    <mc:Choice xmlns:p14="http://schemas.microsoft.com/office/powerpoint/2010/main" Requires="p14">
+  <mc:AlternateContent xmlns:mc="http://schemas.openxmlformats.org/markup-compatibility/2006" xmlns:p14="http://schemas.microsoft.com/office/powerpoint/2010/main">
+    <mc:Choice Requires="p14">
       <p:transition spd="slow" p14:dur="800">
         <p:circle/>
       </p:transition>
     </mc:Choice>
-    <mc:Fallback>
+    <mc:Fallback xmlns="">
       <p:transition spd="slow">
         <p:circle/>
       </p:transition>
@@ -3965,13 +3951,13 @@
   <p:clrMapOvr>
     <a:masterClrMapping/>
   </p:clrMapOvr>
-  <mc:AlternateContent xmlns:mc="http://schemas.openxmlformats.org/markup-compatibility/2006">
-    <mc:Choice xmlns:p14="http://schemas.microsoft.com/office/powerpoint/2010/main" Requires="p14">
+  <mc:AlternateContent xmlns:mc="http://schemas.openxmlformats.org/markup-compatibility/2006" xmlns:p14="http://schemas.microsoft.com/office/powerpoint/2010/main">
+    <mc:Choice Requires="p14">
       <p:transition spd="med" p14:dur="700">
         <p:fade/>
       </p:transition>
     </mc:Choice>
-    <mc:Fallback>
+    <mc:Fallback xmlns="">
       <p:transition spd="med">
         <p:fade/>
       </p:transition>
@@ -4150,13 +4136,13 @@
   <p:clrMapOvr>
     <a:masterClrMapping/>
   </p:clrMapOvr>
-  <mc:AlternateContent xmlns:mc="http://schemas.openxmlformats.org/markup-compatibility/2006">
-    <mc:Choice xmlns:p14="http://schemas.microsoft.com/office/powerpoint/2010/main" Requires="p14">
+  <mc:AlternateContent xmlns:mc="http://schemas.openxmlformats.org/markup-compatibility/2006" xmlns:p14="http://schemas.microsoft.com/office/powerpoint/2010/main">
+    <mc:Choice Requires="p14">
       <p:transition spd="med" p14:dur="700">
         <p:fade/>
       </p:transition>
     </mc:Choice>
-    <mc:Fallback>
+    <mc:Fallback xmlns="">
       <p:transition spd="med">
         <p:fade/>
       </p:transition>
@@ -4479,13 +4465,13 @@
   <p:clrMapOvr>
     <a:masterClrMapping/>
   </p:clrMapOvr>
-  <mc:AlternateContent xmlns:mc="http://schemas.openxmlformats.org/markup-compatibility/2006">
-    <mc:Choice xmlns:p14="http://schemas.microsoft.com/office/powerpoint/2010/main" Requires="p14">
+  <mc:AlternateContent xmlns:mc="http://schemas.openxmlformats.org/markup-compatibility/2006" xmlns:p14="http://schemas.microsoft.com/office/powerpoint/2010/main">
+    <mc:Choice Requires="p14">
       <p:transition spd="med" p14:dur="700">
         <p:fade/>
       </p:transition>
     </mc:Choice>
-    <mc:Fallback>
+    <mc:Fallback xmlns="">
       <p:transition spd="med">
         <p:fade/>
       </p:transition>
@@ -4530,8 +4516,8 @@
         </p:nvSpPr>
         <p:spPr>
           <a:xfrm>
-            <a:off x="2247148" y="351002"/>
-            <a:ext cx="7801811" cy="683712"/>
+            <a:off x="1886200" y="651792"/>
+            <a:ext cx="8436894" cy="683712"/>
           </a:xfrm>
         </p:spPr>
         <p:txBody>
@@ -4547,7 +4533,7 @@
                 <a:latin typeface="Times New Roman" panose="02020603050405020304" pitchFamily="18" charset="0"/>
                 <a:cs typeface="Times New Roman" panose="02020603050405020304" pitchFamily="18" charset="0"/>
               </a:rPr>
-              <a:t>Метод  проектирования</a:t>
+              <a:t>Технология обработки информации</a:t>
             </a:r>
             <a:endParaRPr lang="ru-RU" dirty="0">
               <a:solidFill>
@@ -4559,47 +4545,6 @@
           </a:p>
         </p:txBody>
       </p:sp>
-      <p:pic>
-        <p:nvPicPr>
-          <p:cNvPr id="3074" name="Picture 2" descr="C:\Users\offic\Desktop\!PREDDIP\К7\2.PNG"/>
-          <p:cNvPicPr>
-            <a:picLocks noChangeAspect="1" noChangeArrowheads="1"/>
-          </p:cNvPicPr>
-          <p:nvPr/>
-        </p:nvPicPr>
-        <p:blipFill>
-          <a:blip r:embed="rId2">
-            <a:extLst>
-              <a:ext uri="{28A0092B-C50C-407E-A947-70E740481C1C}">
-                <a14:useLocalDpi xmlns:a14="http://schemas.microsoft.com/office/drawing/2010/main" val="0"/>
-              </a:ext>
-            </a:extLst>
-          </a:blip>
-          <a:srcRect/>
-          <a:stretch>
-            <a:fillRect/>
-          </a:stretch>
-        </p:blipFill>
-        <p:spPr bwMode="auto">
-          <a:xfrm>
-            <a:off x="2345993" y="1588165"/>
-            <a:ext cx="7170986" cy="4114801"/>
-          </a:xfrm>
-          <a:prstGeom prst="rect">
-            <a:avLst/>
-          </a:prstGeom>
-          <a:noFill/>
-          <a:extLst>
-            <a:ext uri="{909E8E84-426E-40DD-AFC4-6F175D3DCCD1}">
-              <a14:hiddenFill xmlns:a14="http://schemas.microsoft.com/office/drawing/2010/main">
-                <a:solidFill>
-                  <a:srgbClr val="FFFFFF"/>
-                </a:solidFill>
-              </a14:hiddenFill>
-            </a:ext>
-          </a:extLst>
-        </p:spPr>
-      </p:pic>
       <p:sp>
         <p:nvSpPr>
           <p:cNvPr id="4" name="TextBox 3"/>
@@ -4608,8 +4553,8 @@
         </p:nvSpPr>
         <p:spPr>
           <a:xfrm>
-            <a:off x="4565902" y="5939409"/>
-            <a:ext cx="3380874" cy="369332"/>
+            <a:off x="4063540" y="5971312"/>
+            <a:ext cx="4650287" cy="369332"/>
           </a:xfrm>
           <a:prstGeom prst="rect">
             <a:avLst/>
@@ -4632,31 +4577,7 @@
                 <a:latin typeface="Times New Roman" panose="02020603050405020304" pitchFamily="18" charset="0"/>
                 <a:cs typeface="Times New Roman" panose="02020603050405020304" pitchFamily="18" charset="0"/>
               </a:rPr>
-              <a:t>Рис 3. </a:t>
-            </a:r>
-            <a:r>
-              <a:rPr lang="en-US" dirty="0" smtClean="0">
-                <a:solidFill>
-                  <a:schemeClr val="tx2">
-                    <a:lumMod val="75000"/>
-                  </a:schemeClr>
-                </a:solidFill>
-                <a:latin typeface="Times New Roman" panose="02020603050405020304" pitchFamily="18" charset="0"/>
-                <a:cs typeface="Times New Roman" panose="02020603050405020304" pitchFamily="18" charset="0"/>
-              </a:rPr>
-              <a:t>CASE-</a:t>
-            </a:r>
-            <a:r>
-              <a:rPr lang="ru-RU" dirty="0" smtClean="0">
-                <a:solidFill>
-                  <a:schemeClr val="tx2">
-                    <a:lumMod val="75000"/>
-                  </a:schemeClr>
-                </a:solidFill>
-                <a:latin typeface="Times New Roman" panose="02020603050405020304" pitchFamily="18" charset="0"/>
-                <a:cs typeface="Times New Roman" panose="02020603050405020304" pitchFamily="18" charset="0"/>
-              </a:rPr>
-              <a:t>технология</a:t>
+              <a:t>Таблица 1. ПО для обработки данных</a:t>
             </a:r>
             <a:endParaRPr lang="ru-RU" dirty="0">
               <a:solidFill>
@@ -4678,8 +4599,8 @@
         </p:nvSpPr>
         <p:spPr>
           <a:xfrm>
-            <a:off x="2773114" y="1135161"/>
-            <a:ext cx="7423649" cy="369332"/>
+            <a:off x="2544513" y="1876550"/>
+            <a:ext cx="7423649" cy="646331"/>
           </a:xfrm>
           <a:prstGeom prst="rect">
             <a:avLst/>
@@ -4693,21 +4614,428 @@
           <a:lstStyle/>
           <a:p>
             <a:r>
-              <a:rPr lang="ru-RU" dirty="0" smtClean="0"/>
-              <a:t>В качестве метода проектирования была выбрана </a:t>
-            </a:r>
-            <a:r>
-              <a:rPr lang="en-US" dirty="0" smtClean="0"/>
-              <a:t>CASE-</a:t>
-            </a:r>
-            <a:r>
-              <a:rPr lang="ru-RU" dirty="0" smtClean="0"/>
-              <a:t>технология</a:t>
-            </a:r>
-            <a:endParaRPr lang="ru-RU" dirty="0"/>
-          </a:p>
-        </p:txBody>
-      </p:sp>
+              <a:rPr lang="ru-RU" dirty="0">
+                <a:latin typeface="Times New Roman" panose="02020603050405020304" pitchFamily="18" charset="0"/>
+                <a:cs typeface="Times New Roman" panose="02020603050405020304" pitchFamily="18" charset="0"/>
+              </a:rPr>
+              <a:t>Для обработки данных на компьютерах в фитнес-клубе установлено следующее программное обеспечение:</a:t>
+            </a:r>
+          </a:p>
+        </p:txBody>
+      </p:sp>
+      <p:graphicFrame>
+        <p:nvGraphicFramePr>
+          <p:cNvPr id="3" name="Таблица 2"/>
+          <p:cNvGraphicFramePr>
+            <a:graphicFrameLocks noGrp="1"/>
+          </p:cNvGraphicFramePr>
+          <p:nvPr>
+            <p:extLst>
+              <p:ext uri="{D42A27DB-BD31-4B8C-83A1-F6EECF244321}">
+                <p14:modId xmlns:p14="http://schemas.microsoft.com/office/powerpoint/2010/main" val="2552180181"/>
+              </p:ext>
+            </p:extLst>
+          </p:nvPr>
+        </p:nvGraphicFramePr>
+        <p:xfrm>
+          <a:off x="2544514" y="3057545"/>
+          <a:ext cx="7056688" cy="1634770"/>
+        </p:xfrm>
+        <a:graphic>
+          <a:graphicData uri="http://schemas.openxmlformats.org/drawingml/2006/table">
+            <a:tbl>
+              <a:tblPr firstRow="1" firstCol="1" bandRow="1">
+                <a:tableStyleId>{912C8C85-51F0-491E-9774-3900AFEF0FD7}</a:tableStyleId>
+              </a:tblPr>
+              <a:tblGrid>
+                <a:gridCol w="495864"/>
+                <a:gridCol w="3436517"/>
+                <a:gridCol w="3124307"/>
+              </a:tblGrid>
+              <a:tr h="408592">
+                <a:tc>
+                  <a:txBody>
+                    <a:bodyPr/>
+                    <a:lstStyle/>
+                    <a:p>
+                      <a:pPr algn="ctr">
+                        <a:lnSpc>
+                          <a:spcPct val="115000"/>
+                        </a:lnSpc>
+                        <a:spcAft>
+                          <a:spcPts val="0"/>
+                        </a:spcAft>
+                      </a:pPr>
+                      <a:r>
+                        <a:rPr lang="ru-RU" sz="1600" dirty="0">
+                          <a:effectLst/>
+                          <a:latin typeface="Times New Roman" panose="02020603050405020304" pitchFamily="18" charset="0"/>
+                          <a:cs typeface="Times New Roman" panose="02020603050405020304" pitchFamily="18" charset="0"/>
+                        </a:rPr>
+                        <a:t>№</a:t>
+                      </a:r>
+                      <a:endParaRPr lang="ru-RU" sz="1400" dirty="0">
+                        <a:effectLst/>
+                        <a:latin typeface="Times New Roman" panose="02020603050405020304" pitchFamily="18" charset="0"/>
+                        <a:ea typeface="Calibri"/>
+                        <a:cs typeface="Times New Roman" panose="02020603050405020304" pitchFamily="18" charset="0"/>
+                      </a:endParaRPr>
+                    </a:p>
+                  </a:txBody>
+                  <a:tcPr marL="68580" marR="68580" marT="0" marB="0" anchor="ctr"/>
+                </a:tc>
+                <a:tc>
+                  <a:txBody>
+                    <a:bodyPr/>
+                    <a:lstStyle/>
+                    <a:p>
+                      <a:pPr algn="ctr">
+                        <a:lnSpc>
+                          <a:spcPct val="115000"/>
+                        </a:lnSpc>
+                        <a:spcAft>
+                          <a:spcPts val="0"/>
+                        </a:spcAft>
+                      </a:pPr>
+                      <a:r>
+                        <a:rPr lang="ru-RU" sz="1600" dirty="0">
+                          <a:effectLst/>
+                          <a:latin typeface="Times New Roman" panose="02020603050405020304" pitchFamily="18" charset="0"/>
+                          <a:cs typeface="Times New Roman" panose="02020603050405020304" pitchFamily="18" charset="0"/>
+                        </a:rPr>
+                        <a:t>Наименование продукта</a:t>
+                      </a:r>
+                      <a:endParaRPr lang="ru-RU" sz="1400" dirty="0">
+                        <a:effectLst/>
+                        <a:latin typeface="Times New Roman" panose="02020603050405020304" pitchFamily="18" charset="0"/>
+                        <a:ea typeface="Calibri"/>
+                        <a:cs typeface="Times New Roman" panose="02020603050405020304" pitchFamily="18" charset="0"/>
+                      </a:endParaRPr>
+                    </a:p>
+                  </a:txBody>
+                  <a:tcPr marL="68580" marR="68580" marT="0" marB="0" anchor="ctr"/>
+                </a:tc>
+                <a:tc>
+                  <a:txBody>
+                    <a:bodyPr/>
+                    <a:lstStyle/>
+                    <a:p>
+                      <a:pPr algn="ctr">
+                        <a:lnSpc>
+                          <a:spcPct val="115000"/>
+                        </a:lnSpc>
+                        <a:spcAft>
+                          <a:spcPts val="0"/>
+                        </a:spcAft>
+                      </a:pPr>
+                      <a:r>
+                        <a:rPr lang="ru-RU" sz="1600" dirty="0">
+                          <a:effectLst/>
+                          <a:latin typeface="Times New Roman" panose="02020603050405020304" pitchFamily="18" charset="0"/>
+                          <a:cs typeface="Times New Roman" panose="02020603050405020304" pitchFamily="18" charset="0"/>
+                        </a:rPr>
+                        <a:t>Предназначение</a:t>
+                      </a:r>
+                      <a:endParaRPr lang="ru-RU" sz="1400" dirty="0">
+                        <a:effectLst/>
+                        <a:latin typeface="Times New Roman" panose="02020603050405020304" pitchFamily="18" charset="0"/>
+                        <a:ea typeface="Calibri"/>
+                        <a:cs typeface="Times New Roman" panose="02020603050405020304" pitchFamily="18" charset="0"/>
+                      </a:endParaRPr>
+                    </a:p>
+                  </a:txBody>
+                  <a:tcPr marL="68580" marR="68580" marT="0" marB="0" anchor="ctr"/>
+                </a:tc>
+              </a:tr>
+              <a:tr h="408726">
+                <a:tc>
+                  <a:txBody>
+                    <a:bodyPr/>
+                    <a:lstStyle/>
+                    <a:p>
+                      <a:pPr algn="ctr">
+                        <a:lnSpc>
+                          <a:spcPct val="115000"/>
+                        </a:lnSpc>
+                        <a:spcAft>
+                          <a:spcPts val="0"/>
+                        </a:spcAft>
+                      </a:pPr>
+                      <a:r>
+                        <a:rPr lang="ru-RU" sz="1600">
+                          <a:effectLst/>
+                          <a:latin typeface="Times New Roman" panose="02020603050405020304" pitchFamily="18" charset="0"/>
+                          <a:cs typeface="Times New Roman" panose="02020603050405020304" pitchFamily="18" charset="0"/>
+                        </a:rPr>
+                        <a:t>1</a:t>
+                      </a:r>
+                      <a:endParaRPr lang="ru-RU" sz="1400">
+                        <a:effectLst/>
+                        <a:latin typeface="Times New Roman" panose="02020603050405020304" pitchFamily="18" charset="0"/>
+                        <a:ea typeface="Calibri"/>
+                        <a:cs typeface="Times New Roman" panose="02020603050405020304" pitchFamily="18" charset="0"/>
+                      </a:endParaRPr>
+                    </a:p>
+                  </a:txBody>
+                  <a:tcPr marL="68580" marR="68580" marT="0" marB="0" anchor="ctr"/>
+                </a:tc>
+                <a:tc>
+                  <a:txBody>
+                    <a:bodyPr/>
+                    <a:lstStyle/>
+                    <a:p>
+                      <a:pPr algn="ctr">
+                        <a:lnSpc>
+                          <a:spcPct val="115000"/>
+                        </a:lnSpc>
+                        <a:spcAft>
+                          <a:spcPts val="0"/>
+                        </a:spcAft>
+                      </a:pPr>
+                      <a:r>
+                        <a:rPr lang="en-US" sz="1600" dirty="0">
+                          <a:effectLst/>
+                          <a:latin typeface="Times New Roman" panose="02020603050405020304" pitchFamily="18" charset="0"/>
+                          <a:cs typeface="Times New Roman" panose="02020603050405020304" pitchFamily="18" charset="0"/>
+                        </a:rPr>
+                        <a:t>MS Word</a:t>
+                      </a:r>
+                      <a:endParaRPr lang="ru-RU" sz="1400" dirty="0">
+                        <a:effectLst/>
+                        <a:latin typeface="Times New Roman" panose="02020603050405020304" pitchFamily="18" charset="0"/>
+                        <a:ea typeface="Calibri"/>
+                        <a:cs typeface="Times New Roman" panose="02020603050405020304" pitchFamily="18" charset="0"/>
+                      </a:endParaRPr>
+                    </a:p>
+                  </a:txBody>
+                  <a:tcPr marL="68580" marR="68580" marT="0" marB="0" anchor="ctr"/>
+                </a:tc>
+                <a:tc>
+                  <a:txBody>
+                    <a:bodyPr/>
+                    <a:lstStyle/>
+                    <a:p>
+                      <a:pPr algn="ctr">
+                        <a:lnSpc>
+                          <a:spcPct val="115000"/>
+                        </a:lnSpc>
+                        <a:spcAft>
+                          <a:spcPts val="0"/>
+                        </a:spcAft>
+                      </a:pPr>
+                      <a:r>
+                        <a:rPr lang="ru-RU" sz="1600">
+                          <a:effectLst/>
+                          <a:latin typeface="Times New Roman" panose="02020603050405020304" pitchFamily="18" charset="0"/>
+                          <a:cs typeface="Times New Roman" panose="02020603050405020304" pitchFamily="18" charset="0"/>
+                        </a:rPr>
+                        <a:t>Работа с текстовой информацией</a:t>
+                      </a:r>
+                      <a:endParaRPr lang="ru-RU" sz="1400">
+                        <a:effectLst/>
+                        <a:latin typeface="Times New Roman" panose="02020603050405020304" pitchFamily="18" charset="0"/>
+                        <a:ea typeface="Calibri"/>
+                        <a:cs typeface="Times New Roman" panose="02020603050405020304" pitchFamily="18" charset="0"/>
+                      </a:endParaRPr>
+                    </a:p>
+                  </a:txBody>
+                  <a:tcPr marL="68580" marR="68580" marT="0" marB="0" anchor="ctr"/>
+                </a:tc>
+              </a:tr>
+              <a:tr h="408726">
+                <a:tc>
+                  <a:txBody>
+                    <a:bodyPr/>
+                    <a:lstStyle/>
+                    <a:p>
+                      <a:pPr algn="ctr">
+                        <a:lnSpc>
+                          <a:spcPct val="115000"/>
+                        </a:lnSpc>
+                        <a:spcAft>
+                          <a:spcPts val="0"/>
+                        </a:spcAft>
+                      </a:pPr>
+                      <a:r>
+                        <a:rPr lang="ru-RU" sz="1600">
+                          <a:effectLst/>
+                          <a:latin typeface="Times New Roman" panose="02020603050405020304" pitchFamily="18" charset="0"/>
+                          <a:cs typeface="Times New Roman" panose="02020603050405020304" pitchFamily="18" charset="0"/>
+                        </a:rPr>
+                        <a:t>2</a:t>
+                      </a:r>
+                      <a:endParaRPr lang="ru-RU" sz="1400">
+                        <a:effectLst/>
+                        <a:latin typeface="Times New Roman" panose="02020603050405020304" pitchFamily="18" charset="0"/>
+                        <a:ea typeface="Calibri"/>
+                        <a:cs typeface="Times New Roman" panose="02020603050405020304" pitchFamily="18" charset="0"/>
+                      </a:endParaRPr>
+                    </a:p>
+                  </a:txBody>
+                  <a:tcPr marL="68580" marR="68580" marT="0" marB="0" anchor="ctr"/>
+                </a:tc>
+                <a:tc>
+                  <a:txBody>
+                    <a:bodyPr/>
+                    <a:lstStyle/>
+                    <a:p>
+                      <a:pPr algn="ctr">
+                        <a:lnSpc>
+                          <a:spcPct val="115000"/>
+                        </a:lnSpc>
+                        <a:spcAft>
+                          <a:spcPts val="0"/>
+                        </a:spcAft>
+                      </a:pPr>
+                      <a:r>
+                        <a:rPr lang="en-US" sz="1600">
+                          <a:effectLst/>
+                          <a:latin typeface="Times New Roman" panose="02020603050405020304" pitchFamily="18" charset="0"/>
+                          <a:cs typeface="Times New Roman" panose="02020603050405020304" pitchFamily="18" charset="0"/>
+                        </a:rPr>
+                        <a:t>MS Excel</a:t>
+                      </a:r>
+                      <a:endParaRPr lang="ru-RU" sz="1400">
+                        <a:effectLst/>
+                        <a:latin typeface="Times New Roman" panose="02020603050405020304" pitchFamily="18" charset="0"/>
+                        <a:ea typeface="Calibri"/>
+                        <a:cs typeface="Times New Roman" panose="02020603050405020304" pitchFamily="18" charset="0"/>
+                      </a:endParaRPr>
+                    </a:p>
+                  </a:txBody>
+                  <a:tcPr marL="68580" marR="68580" marT="0" marB="0" anchor="ctr"/>
+                </a:tc>
+                <a:tc>
+                  <a:txBody>
+                    <a:bodyPr/>
+                    <a:lstStyle/>
+                    <a:p>
+                      <a:pPr algn="ctr">
+                        <a:lnSpc>
+                          <a:spcPct val="115000"/>
+                        </a:lnSpc>
+                        <a:spcAft>
+                          <a:spcPts val="0"/>
+                        </a:spcAft>
+                      </a:pPr>
+                      <a:r>
+                        <a:rPr lang="ru-RU" sz="1600">
+                          <a:effectLst/>
+                          <a:latin typeface="Times New Roman" panose="02020603050405020304" pitchFamily="18" charset="0"/>
+                          <a:cs typeface="Times New Roman" panose="02020603050405020304" pitchFamily="18" charset="0"/>
+                        </a:rPr>
+                        <a:t>Работа с таблицами</a:t>
+                      </a:r>
+                      <a:endParaRPr lang="ru-RU" sz="1400">
+                        <a:effectLst/>
+                        <a:latin typeface="Times New Roman" panose="02020603050405020304" pitchFamily="18" charset="0"/>
+                        <a:ea typeface="Calibri"/>
+                        <a:cs typeface="Times New Roman" panose="02020603050405020304" pitchFamily="18" charset="0"/>
+                      </a:endParaRPr>
+                    </a:p>
+                  </a:txBody>
+                  <a:tcPr marL="68580" marR="68580" marT="0" marB="0" anchor="ctr"/>
+                </a:tc>
+              </a:tr>
+              <a:tr h="408726">
+                <a:tc>
+                  <a:txBody>
+                    <a:bodyPr/>
+                    <a:lstStyle/>
+                    <a:p>
+                      <a:pPr algn="ctr">
+                        <a:lnSpc>
+                          <a:spcPct val="115000"/>
+                        </a:lnSpc>
+                        <a:spcAft>
+                          <a:spcPts val="0"/>
+                        </a:spcAft>
+                      </a:pPr>
+                      <a:r>
+                        <a:rPr lang="en-US" sz="1600">
+                          <a:effectLst/>
+                          <a:latin typeface="Times New Roman" panose="02020603050405020304" pitchFamily="18" charset="0"/>
+                          <a:cs typeface="Times New Roman" panose="02020603050405020304" pitchFamily="18" charset="0"/>
+                        </a:rPr>
+                        <a:t>3</a:t>
+                      </a:r>
+                      <a:endParaRPr lang="ru-RU" sz="1400">
+                        <a:effectLst/>
+                        <a:latin typeface="Times New Roman" panose="02020603050405020304" pitchFamily="18" charset="0"/>
+                        <a:ea typeface="Calibri"/>
+                        <a:cs typeface="Times New Roman" panose="02020603050405020304" pitchFamily="18" charset="0"/>
+                      </a:endParaRPr>
+                    </a:p>
+                  </a:txBody>
+                  <a:tcPr marL="68580" marR="68580" marT="0" marB="0" anchor="ctr"/>
+                </a:tc>
+                <a:tc>
+                  <a:txBody>
+                    <a:bodyPr/>
+                    <a:lstStyle/>
+                    <a:p>
+                      <a:pPr algn="ctr">
+                        <a:lnSpc>
+                          <a:spcPct val="115000"/>
+                        </a:lnSpc>
+                        <a:spcAft>
+                          <a:spcPts val="0"/>
+                        </a:spcAft>
+                      </a:pPr>
+                      <a:r>
+                        <a:rPr lang="en-US" sz="1600">
+                          <a:effectLst/>
+                          <a:latin typeface="Times New Roman" panose="02020603050405020304" pitchFamily="18" charset="0"/>
+                          <a:cs typeface="Times New Roman" panose="02020603050405020304" pitchFamily="18" charset="0"/>
+                        </a:rPr>
+                        <a:t>MS Access</a:t>
+                      </a:r>
+                      <a:endParaRPr lang="ru-RU" sz="1400">
+                        <a:effectLst/>
+                        <a:latin typeface="Times New Roman" panose="02020603050405020304" pitchFamily="18" charset="0"/>
+                        <a:ea typeface="Calibri"/>
+                        <a:cs typeface="Times New Roman" panose="02020603050405020304" pitchFamily="18" charset="0"/>
+                      </a:endParaRPr>
+                    </a:p>
+                  </a:txBody>
+                  <a:tcPr marL="68580" marR="68580" marT="0" marB="0" anchor="ctr"/>
+                </a:tc>
+                <a:tc>
+                  <a:txBody>
+                    <a:bodyPr/>
+                    <a:lstStyle/>
+                    <a:p>
+                      <a:pPr algn="ctr">
+                        <a:lnSpc>
+                          <a:spcPct val="115000"/>
+                        </a:lnSpc>
+                        <a:spcAft>
+                          <a:spcPts val="0"/>
+                        </a:spcAft>
+                      </a:pPr>
+                      <a:r>
+                        <a:rPr lang="ru-RU" sz="1600" dirty="0">
+                          <a:effectLst/>
+                          <a:latin typeface="Times New Roman" panose="02020603050405020304" pitchFamily="18" charset="0"/>
+                          <a:cs typeface="Times New Roman" panose="02020603050405020304" pitchFamily="18" charset="0"/>
+                        </a:rPr>
+                        <a:t>Работа с базами данных</a:t>
+                      </a:r>
+                      <a:endParaRPr lang="ru-RU" sz="1400" dirty="0">
+                        <a:effectLst/>
+                        <a:latin typeface="Times New Roman" panose="02020603050405020304" pitchFamily="18" charset="0"/>
+                        <a:ea typeface="Calibri"/>
+                        <a:cs typeface="Times New Roman" panose="02020603050405020304" pitchFamily="18" charset="0"/>
+                      </a:endParaRPr>
+                    </a:p>
+                  </a:txBody>
+                  <a:tcPr marL="68580" marR="68580" marT="0" marB="0" anchor="ctr"/>
+                </a:tc>
+              </a:tr>
+            </a:tbl>
+          </a:graphicData>
+        </a:graphic>
+      </p:graphicFrame>
     </p:spTree>
     <p:extLst>
       <p:ext uri="{BB962C8B-B14F-4D97-AF65-F5344CB8AC3E}">
@@ -4718,13 +5046,13 @@
   <p:clrMapOvr>
     <a:masterClrMapping/>
   </p:clrMapOvr>
-  <mc:AlternateContent xmlns:mc="http://schemas.openxmlformats.org/markup-compatibility/2006">
-    <mc:Choice xmlns:p14="http://schemas.microsoft.com/office/powerpoint/2010/main" Requires="p14">
+  <mc:AlternateContent xmlns:mc="http://schemas.openxmlformats.org/markup-compatibility/2006" xmlns:p14="http://schemas.microsoft.com/office/powerpoint/2010/main">
+    <mc:Choice Requires="p14">
       <p:transition spd="med" p14:dur="700">
         <p:fade/>
       </p:transition>
     </mc:Choice>
-    <mc:Fallback>
+    <mc:Fallback xmlns="">
       <p:transition spd="med">
         <p:fade/>
       </p:transition>
@@ -4769,7 +5097,7 @@
         </p:nvSpPr>
         <p:spPr>
           <a:xfrm>
-            <a:off x="1149685" y="336885"/>
+            <a:off x="1119604" y="264696"/>
             <a:ext cx="10566400" cy="719807"/>
           </a:xfrm>
         </p:spPr>
@@ -4788,7 +5116,7 @@
                 <a:latin typeface="Times New Roman" panose="02020603050405020304" pitchFamily="18" charset="0"/>
                 <a:cs typeface="Times New Roman" panose="02020603050405020304" pitchFamily="18" charset="0"/>
               </a:rPr>
-              <a:t>Технология обработки данных</a:t>
+              <a:t>Метод проектирования и разработки</a:t>
             </a:r>
             <a:endParaRPr lang="ru-RU" dirty="0">
               <a:solidFill>
@@ -4895,14 +5223,14 @@
                 <a:latin typeface="Times New Roman" panose="02020603050405020304" pitchFamily="18" charset="0"/>
                 <a:cs typeface="Times New Roman" panose="02020603050405020304" pitchFamily="18" charset="0"/>
               </a:rPr>
-              <a:t>качестве обработки данных </a:t>
+              <a:t>качестве </a:t>
             </a:r>
             <a:r>
               <a:rPr lang="ru-RU" dirty="0" smtClean="0">
                 <a:latin typeface="Times New Roman" panose="02020603050405020304" pitchFamily="18" charset="0"/>
                 <a:cs typeface="Times New Roman" panose="02020603050405020304" pitchFamily="18" charset="0"/>
               </a:rPr>
-              <a:t>была выбрана </a:t>
+              <a:t>метода проектирования и разработки была выбрана </a:t>
             </a:r>
             <a:r>
               <a:rPr lang="ru-RU" dirty="0">
@@ -4921,13 +5249,6 @@
               </a:rPr>
               <a:t>“клиент-сервер”</a:t>
             </a:r>
-            <a:endParaRPr lang="ru-RU" dirty="0">
-              <a:solidFill>
-                <a:srgbClr val="FFFF00"/>
-              </a:solidFill>
-              <a:latin typeface="Times New Roman" panose="02020603050405020304" pitchFamily="18" charset="0"/>
-              <a:cs typeface="Times New Roman" panose="02020603050405020304" pitchFamily="18" charset="0"/>
-            </a:endParaRPr>
           </a:p>
         </p:txBody>
       </p:sp>
@@ -4940,7 +5261,7 @@
         <p:spPr>
           <a:xfrm>
             <a:off x="6402804" y="1252923"/>
-            <a:ext cx="5255796" cy="4770537"/>
+            <a:ext cx="5255796" cy="4524315"/>
           </a:xfrm>
           <a:prstGeom prst="rect">
             <a:avLst/>
@@ -4962,15 +5283,38 @@
                 <a:latin typeface="Times New Roman" panose="02020603050405020304" pitchFamily="18" charset="0"/>
                 <a:cs typeface="Times New Roman" panose="02020603050405020304" pitchFamily="18" charset="0"/>
               </a:rPr>
-              <a:t>Причина выбора архитектуры клиент/сервер в качестве обработки данных</a:t>
-            </a:r>
-            <a:endParaRPr lang="ru-RU" sz="1600" dirty="0">
-              <a:solidFill>
-                <a:srgbClr val="FFFF00"/>
-              </a:solidFill>
-              <a:latin typeface="Times New Roman" panose="02020603050405020304" pitchFamily="18" charset="0"/>
-              <a:cs typeface="Times New Roman" panose="02020603050405020304" pitchFamily="18" charset="0"/>
-            </a:endParaRPr>
+              <a:t>Причина выбора архитектуры </a:t>
+            </a:r>
+            <a:r>
+              <a:rPr lang="ru-RU" sz="1600" b="1" dirty="0" smtClean="0">
+                <a:solidFill>
+                  <a:srgbClr val="FFFF00"/>
+                </a:solidFill>
+                <a:latin typeface="Times New Roman" panose="02020603050405020304" pitchFamily="18" charset="0"/>
+                <a:cs typeface="Times New Roman" panose="02020603050405020304" pitchFamily="18" charset="0"/>
+              </a:rPr>
+              <a:t>клиент/сервер</a:t>
+            </a:r>
+          </a:p>
+          <a:p>
+            <a:pPr marL="285750" indent="-285750">
+              <a:buFont typeface="Arial" panose="020B0604020202020204" pitchFamily="34" charset="0"/>
+              <a:buChar char="•"/>
+            </a:pPr>
+            <a:r>
+              <a:rPr lang="ru-RU" sz="1600" dirty="0" smtClean="0">
+                <a:latin typeface="Times New Roman" panose="02020603050405020304" pitchFamily="18" charset="0"/>
+                <a:cs typeface="Times New Roman" panose="02020603050405020304" pitchFamily="18" charset="0"/>
+              </a:rPr>
+              <a:t>При </a:t>
+            </a:r>
+            <a:r>
+              <a:rPr lang="ru-RU" sz="1600" dirty="0">
+                <a:latin typeface="Times New Roman" panose="02020603050405020304" pitchFamily="18" charset="0"/>
+                <a:cs typeface="Times New Roman" panose="02020603050405020304" pitchFamily="18" charset="0"/>
+              </a:rPr>
+              <a:t>обработке данных по архитектуре клиент/сервер уменьшается сетевой трафик, так как через сеть передаются только результаты запросов. </a:t>
+            </a:r>
           </a:p>
           <a:p>
             <a:pPr marL="285750" lvl="0" indent="-285750">
@@ -4982,7 +5326,7 @@
                 <a:latin typeface="Times New Roman" panose="02020603050405020304" pitchFamily="18" charset="0"/>
                 <a:cs typeface="Times New Roman" panose="02020603050405020304" pitchFamily="18" charset="0"/>
               </a:rPr>
-              <a:t>При обработке данных по архитектуре клиент/сервер уменьшается сетевой трафик, так как через сеть передаются только результаты запросов. </a:t>
+              <a:t>Груз файловых операций ложится на сервер, который мощнее компьютеров (клиентов) и поэтому способен быстрее обслуживать запросы. В связи с этим уменьшается потребность клиентских приложений в оперативной памяти.</a:t>
             </a:r>
           </a:p>
           <a:p>
@@ -4995,7 +5339,7 @@
                 <a:latin typeface="Times New Roman" panose="02020603050405020304" pitchFamily="18" charset="0"/>
                 <a:cs typeface="Times New Roman" panose="02020603050405020304" pitchFamily="18" charset="0"/>
               </a:rPr>
-              <a:t>Груз файловых операций ложится на сервер, который мощнее компьютеров (клиентов) и поэтому способен быстрее обслуживать запросы. В связи с этим уменьшается потребность клиентских приложений в оперативной памяти.</a:t>
+              <a:t>Поскольку данные хранятся на сервере, то на компьютерах (клиентах) освобождается значительный объем дискового пространства.</a:t>
             </a:r>
           </a:p>
           <a:p>
@@ -5008,19 +5352,6 @@
                 <a:latin typeface="Times New Roman" panose="02020603050405020304" pitchFamily="18" charset="0"/>
                 <a:cs typeface="Times New Roman" panose="02020603050405020304" pitchFamily="18" charset="0"/>
               </a:rPr>
-              <a:t>Поскольку данные хранятся на сервере, то на компьютерах (клиентах) освобождается значительный объем дискового пространства.</a:t>
-            </a:r>
-          </a:p>
-          <a:p>
-            <a:pPr marL="285750" lvl="0" indent="-285750">
-              <a:buFont typeface="Arial" panose="020B0604020202020204" pitchFamily="34" charset="0"/>
-              <a:buChar char="•"/>
-            </a:pPr>
-            <a:r>
-              <a:rPr lang="ru-RU" sz="1600" dirty="0">
-                <a:latin typeface="Times New Roman" panose="02020603050405020304" pitchFamily="18" charset="0"/>
-                <a:cs typeface="Times New Roman" panose="02020603050405020304" pitchFamily="18" charset="0"/>
-              </a:rPr>
               <a:t>Повышается уровень непротиворечивости данных и существенно повышается степень безопасности БД, так как правила целостности данных определяются в серверной СУБД и являются едиными для всех приложений, использующих эту БД.</a:t>
             </a:r>
           </a:p>
@@ -5038,7 +5369,7 @@
         <p:spPr>
           <a:xfrm>
             <a:off x="699834" y="5906455"/>
-            <a:ext cx="4359444" cy="646331"/>
+            <a:ext cx="4359444" cy="369332"/>
           </a:xfrm>
           <a:prstGeom prst="rect">
             <a:avLst/>
@@ -5059,7 +5390,7 @@
                   </a:schemeClr>
                 </a:solidFill>
               </a:rPr>
-              <a:t>Рис 4. Схема обработки данных по архитектуре </a:t>
+              <a:t>Рис 3. Архитектура </a:t>
             </a:r>
             <a:r>
               <a:rPr lang="en-US" dirty="0" smtClean="0">
@@ -5111,13 +5442,13 @@
   <p:clrMapOvr>
     <a:masterClrMapping/>
   </p:clrMapOvr>
-  <mc:AlternateContent xmlns:mc="http://schemas.openxmlformats.org/markup-compatibility/2006">
-    <mc:Choice xmlns:p14="http://schemas.microsoft.com/office/powerpoint/2010/main" Requires="p14">
+  <mc:AlternateContent xmlns:mc="http://schemas.openxmlformats.org/markup-compatibility/2006" xmlns:p14="http://schemas.microsoft.com/office/powerpoint/2010/main">
+    <mc:Choice Requires="p14">
       <p:transition spd="med" p14:dur="700">
         <p:fade/>
       </p:transition>
     </mc:Choice>
-    <mc:Fallback>
+    <mc:Fallback xmlns="">
       <p:transition spd="med">
         <p:fade/>
       </p:transition>
@@ -5346,8 +5677,10 @@
                     <a:lumMod val="75000"/>
                   </a:schemeClr>
                 </a:solidFill>
-              </a:rPr>
-              <a:t>Рис 5. </a:t>
+                <a:latin typeface="Times New Roman" panose="02020603050405020304" pitchFamily="18" charset="0"/>
+                <a:cs typeface="Times New Roman" panose="02020603050405020304" pitchFamily="18" charset="0"/>
+              </a:rPr>
+              <a:t>Рис 4. </a:t>
             </a:r>
             <a:r>
               <a:rPr lang="en-US" dirty="0" smtClean="0">
@@ -5356,6 +5689,8 @@
                     <a:lumMod val="75000"/>
                   </a:schemeClr>
                 </a:solidFill>
+                <a:latin typeface="Times New Roman" panose="02020603050405020304" pitchFamily="18" charset="0"/>
+                <a:cs typeface="Times New Roman" panose="02020603050405020304" pitchFamily="18" charset="0"/>
               </a:rPr>
               <a:t>Use-Case </a:t>
             </a:r>
@@ -5366,6 +5701,8 @@
                     <a:lumMod val="75000"/>
                   </a:schemeClr>
                 </a:solidFill>
+                <a:latin typeface="Times New Roman" panose="02020603050405020304" pitchFamily="18" charset="0"/>
+                <a:cs typeface="Times New Roman" panose="02020603050405020304" pitchFamily="18" charset="0"/>
               </a:rPr>
               <a:t>диаграмма</a:t>
             </a:r>
@@ -5375,6 +5712,8 @@
                   <a:lumMod val="75000"/>
                 </a:schemeClr>
               </a:solidFill>
+              <a:latin typeface="Times New Roman" panose="02020603050405020304" pitchFamily="18" charset="0"/>
+              <a:cs typeface="Times New Roman" panose="02020603050405020304" pitchFamily="18" charset="0"/>
             </a:endParaRPr>
           </a:p>
         </p:txBody>
@@ -5389,13 +5728,13 @@
   <p:clrMapOvr>
     <a:masterClrMapping/>
   </p:clrMapOvr>
-  <mc:AlternateContent xmlns:mc="http://schemas.openxmlformats.org/markup-compatibility/2006">
-    <mc:Choice xmlns:p14="http://schemas.microsoft.com/office/powerpoint/2010/main" Requires="p14">
+  <mc:AlternateContent xmlns:mc="http://schemas.openxmlformats.org/markup-compatibility/2006" xmlns:p14="http://schemas.microsoft.com/office/powerpoint/2010/main">
+    <mc:Choice Requires="p14">
       <p:transition spd="med" p14:dur="700">
         <p:fade/>
       </p:transition>
     </mc:Choice>
-    <mc:Fallback>
+    <mc:Fallback xmlns="">
       <p:transition spd="med">
         <p:fade/>
       </p:transition>
@@ -5459,17 +5798,7 @@
                 <a:latin typeface="Times New Roman" panose="02020603050405020304" pitchFamily="18" charset="0"/>
                 <a:cs typeface="Times New Roman" panose="02020603050405020304" pitchFamily="18" charset="0"/>
               </a:rPr>
-              <a:t>Выбор Инструментов </a:t>
-            </a:r>
-            <a:r>
-              <a:rPr lang="ru-RU" dirty="0" smtClean="0">
-                <a:solidFill>
-                  <a:srgbClr val="FFFF00"/>
-                </a:solidFill>
-                <a:latin typeface="Times New Roman" panose="02020603050405020304" pitchFamily="18" charset="0"/>
-                <a:cs typeface="Times New Roman" panose="02020603050405020304" pitchFamily="18" charset="0"/>
-              </a:rPr>
-              <a:t>Разработки</a:t>
+              <a:t>Выбор Инструментов Разработки</a:t>
             </a:r>
             <a:endParaRPr lang="ru-RU" dirty="0">
               <a:solidFill>
@@ -5493,8 +5822,8 @@
         </p:nvSpPr>
         <p:spPr>
           <a:xfrm>
-            <a:off x="1354221" y="2045368"/>
-            <a:ext cx="8920748" cy="2466474"/>
+            <a:off x="1342188" y="2189747"/>
+            <a:ext cx="10208127" cy="2466474"/>
           </a:xfrm>
         </p:spPr>
         <p:txBody>
@@ -5508,15 +5837,23 @@
                 <a:solidFill>
                   <a:srgbClr val="FFFF00"/>
                 </a:solidFill>
+                <a:latin typeface="Times New Roman" panose="02020603050405020304" pitchFamily="18" charset="0"/>
+                <a:cs typeface="Times New Roman" panose="02020603050405020304" pitchFamily="18" charset="0"/>
               </a:rPr>
               <a:t>среда разработки –</a:t>
             </a:r>
             <a:r>
-              <a:rPr lang="ru-RU" sz="2000" dirty="0" smtClean="0"/>
+              <a:rPr lang="ru-RU" sz="2000" dirty="0" smtClean="0">
+                <a:latin typeface="Times New Roman" panose="02020603050405020304" pitchFamily="18" charset="0"/>
+                <a:cs typeface="Times New Roman" panose="02020603050405020304" pitchFamily="18" charset="0"/>
+              </a:rPr>
               <a:t> </a:t>
             </a:r>
             <a:r>
-              <a:rPr lang="en-US" sz="2000" dirty="0" smtClean="0"/>
+              <a:rPr lang="en-US" sz="2000" dirty="0" smtClean="0">
+                <a:latin typeface="Times New Roman" panose="02020603050405020304" pitchFamily="18" charset="0"/>
+                <a:cs typeface="Times New Roman" panose="02020603050405020304" pitchFamily="18" charset="0"/>
+              </a:rPr>
               <a:t>Visual Studio 2019</a:t>
             </a:r>
           </a:p>
@@ -5526,11 +5863,16 @@
                 <a:solidFill>
                   <a:srgbClr val="FFFF00"/>
                 </a:solidFill>
+                <a:latin typeface="Times New Roman" panose="02020603050405020304" pitchFamily="18" charset="0"/>
+                <a:cs typeface="Times New Roman" panose="02020603050405020304" pitchFamily="18" charset="0"/>
               </a:rPr>
               <a:t>язык программирования – </a:t>
             </a:r>
             <a:r>
-              <a:rPr lang="en-US" sz="2000" dirty="0" smtClean="0"/>
+              <a:rPr lang="en-US" sz="2000" dirty="0" smtClean="0">
+                <a:latin typeface="Times New Roman" panose="02020603050405020304" pitchFamily="18" charset="0"/>
+                <a:cs typeface="Times New Roman" panose="02020603050405020304" pitchFamily="18" charset="0"/>
+              </a:rPr>
               <a:t>C#</a:t>
             </a:r>
           </a:p>
@@ -5540,11 +5882,16 @@
                 <a:solidFill>
                   <a:srgbClr val="FFFF00"/>
                 </a:solidFill>
+                <a:latin typeface="Times New Roman" panose="02020603050405020304" pitchFamily="18" charset="0"/>
+                <a:cs typeface="Times New Roman" panose="02020603050405020304" pitchFamily="18" charset="0"/>
               </a:rPr>
               <a:t>приложения</a:t>
             </a:r>
             <a:r>
-              <a:rPr lang="ru-RU" sz="2000" dirty="0" smtClean="0"/>
+              <a:rPr lang="ru-RU" sz="2000" dirty="0" smtClean="0">
+                <a:latin typeface="Times New Roman" panose="02020603050405020304" pitchFamily="18" charset="0"/>
+                <a:cs typeface="Times New Roman" panose="02020603050405020304" pitchFamily="18" charset="0"/>
+              </a:rPr>
               <a:t> </a:t>
             </a:r>
             <a:r>
@@ -5552,30 +5899,47 @@
                 <a:solidFill>
                   <a:srgbClr val="FFFF00"/>
                 </a:solidFill>
+                <a:latin typeface="Times New Roman" panose="02020603050405020304" pitchFamily="18" charset="0"/>
+                <a:cs typeface="Times New Roman" panose="02020603050405020304" pitchFamily="18" charset="0"/>
               </a:rPr>
               <a:t>–</a:t>
             </a:r>
             <a:r>
-              <a:rPr lang="ru-RU" sz="2000" dirty="0" smtClean="0"/>
+              <a:rPr lang="ru-RU" sz="2000" dirty="0" smtClean="0">
+                <a:latin typeface="Times New Roman" panose="02020603050405020304" pitchFamily="18" charset="0"/>
+                <a:cs typeface="Times New Roman" panose="02020603050405020304" pitchFamily="18" charset="0"/>
+              </a:rPr>
               <a:t> </a:t>
             </a:r>
             <a:r>
-              <a:rPr lang="en-US" sz="2000" dirty="0" smtClean="0"/>
+              <a:rPr lang="en-US" sz="2000" dirty="0" smtClean="0">
+                <a:latin typeface="Times New Roman" panose="02020603050405020304" pitchFamily="18" charset="0"/>
+                <a:cs typeface="Times New Roman" panose="02020603050405020304" pitchFamily="18" charset="0"/>
+              </a:rPr>
               <a:t>MS Access, MS Word</a:t>
             </a:r>
           </a:p>
           <a:p>
-            <a:endParaRPr lang="en-US" sz="2000" dirty="0"/>
+            <a:endParaRPr lang="en-US" sz="2000" dirty="0">
+              <a:latin typeface="Times New Roman" panose="02020603050405020304" pitchFamily="18" charset="0"/>
+              <a:cs typeface="Times New Roman" panose="02020603050405020304" pitchFamily="18" charset="0"/>
+            </a:endParaRPr>
           </a:p>
           <a:p>
             <a:pPr marL="0" indent="0">
               <a:buNone/>
             </a:pPr>
             <a:r>
-              <a:rPr lang="ru-RU" sz="2000" dirty="0" smtClean="0"/>
+              <a:rPr lang="ru-RU" sz="2000" dirty="0" smtClean="0">
+                <a:latin typeface="Times New Roman" panose="02020603050405020304" pitchFamily="18" charset="0"/>
+                <a:cs typeface="Times New Roman" panose="02020603050405020304" pitchFamily="18" charset="0"/>
+              </a:rPr>
               <a:t>Выбор данных инструментов осуществлялся на основе предпочтений заказчика.</a:t>
             </a:r>
-            <a:endParaRPr lang="ru-RU" sz="2000" dirty="0"/>
+            <a:endParaRPr lang="ru-RU" sz="2000" dirty="0">
+              <a:latin typeface="Times New Roman" panose="02020603050405020304" pitchFamily="18" charset="0"/>
+              <a:cs typeface="Times New Roman" panose="02020603050405020304" pitchFamily="18" charset="0"/>
+            </a:endParaRPr>
           </a:p>
         </p:txBody>
       </p:sp>
@@ -5589,13 +5953,13 @@
   <p:clrMapOvr>
     <a:masterClrMapping/>
   </p:clrMapOvr>
-  <mc:AlternateContent xmlns:mc="http://schemas.openxmlformats.org/markup-compatibility/2006">
-    <mc:Choice xmlns:p14="http://schemas.microsoft.com/office/powerpoint/2010/main" Requires="p14">
+  <mc:AlternateContent xmlns:mc="http://schemas.openxmlformats.org/markup-compatibility/2006" xmlns:p14="http://schemas.microsoft.com/office/powerpoint/2010/main">
+    <mc:Choice Requires="p14">
       <p:transition spd="med" p14:dur="700">
         <p:fade/>
       </p:transition>
     </mc:Choice>
-    <mc:Fallback>
+    <mc:Fallback xmlns="">
       <p:transition spd="med">
         <p:fade/>
       </p:transition>
@@ -5748,7 +6112,7 @@
                   </a:schemeClr>
                 </a:solidFill>
               </a:rPr>
-              <a:t>Рис 6. Структура главного модуля</a:t>
+              <a:t>Рис 5. Структура главного модуля</a:t>
             </a:r>
             <a:endParaRPr lang="ru-RU" dirty="0">
               <a:solidFill>
@@ -5770,13 +6134,13 @@
   <p:clrMapOvr>
     <a:masterClrMapping/>
   </p:clrMapOvr>
-  <mc:AlternateContent xmlns:mc="http://schemas.openxmlformats.org/markup-compatibility/2006">
-    <mc:Choice xmlns:p14="http://schemas.microsoft.com/office/powerpoint/2010/main" Requires="p14">
+  <mc:AlternateContent xmlns:mc="http://schemas.openxmlformats.org/markup-compatibility/2006" xmlns:p14="http://schemas.microsoft.com/office/powerpoint/2010/main">
+    <mc:Choice Requires="p14">
       <p:transition spd="med" p14:dur="700">
         <p:fade/>
       </p:transition>
     </mc:Choice>
-    <mc:Fallback>
+    <mc:Fallback xmlns="">
       <p:transition spd="med">
         <p:fade/>
       </p:transition>
